--- a/MySoftTask/Spring boot with flutter video.pptx
+++ b/MySoftTask/Spring boot with flutter video.pptx
@@ -129,7 +129,7 @@
           <p:cNvPr id="2" name="Title 1">
             <a:extLst>
               <a:ext uri="{FF2B5EF4-FFF2-40B4-BE49-F238E27FC236}">
-                <a16:creationId xmlns:a16="http://schemas.microsoft.com/office/drawing/2014/main" id="{80907B50-B715-32F4-2B0D-4A7EE227AC78}"/>
+                <a16:creationId xmlns:a16="http://schemas.microsoft.com/office/drawing/2014/main" id="{D5DB8622-9642-AF13-6E97-0442387832C3}"/>
               </a:ext>
             </a:extLst>
           </p:cNvPr>
@@ -166,7 +166,7 @@
           <p:cNvPr id="3" name="Subtitle 2">
             <a:extLst>
               <a:ext uri="{FF2B5EF4-FFF2-40B4-BE49-F238E27FC236}">
-                <a16:creationId xmlns:a16="http://schemas.microsoft.com/office/drawing/2014/main" id="{436DED77-4C75-A313-CCD1-8047209516FF}"/>
+                <a16:creationId xmlns:a16="http://schemas.microsoft.com/office/drawing/2014/main" id="{DB725D51-2D71-2079-12AF-53F897A7C7EE}"/>
               </a:ext>
             </a:extLst>
           </p:cNvPr>
@@ -236,7 +236,7 @@
           <p:cNvPr id="4" name="Date Placeholder 3">
             <a:extLst>
               <a:ext uri="{FF2B5EF4-FFF2-40B4-BE49-F238E27FC236}">
-                <a16:creationId xmlns:a16="http://schemas.microsoft.com/office/drawing/2014/main" id="{7BCD3D80-DDC0-C2C5-B7D4-85FDAA8651D5}"/>
+                <a16:creationId xmlns:a16="http://schemas.microsoft.com/office/drawing/2014/main" id="{71539C92-D4A9-43CF-1689-AEAD0B524556}"/>
               </a:ext>
             </a:extLst>
           </p:cNvPr>
@@ -252,9 +252,9 @@
           <a:bodyPr/>
           <a:lstStyle/>
           <a:p>
-            <a:fld id="{F609998C-7B48-4199-A36B-EAA26C8CF331}" type="datetimeFigureOut">
+            <a:fld id="{18072121-9DC8-4B24-9186-189609A474DA}" type="datetimeFigureOut">
               <a:rPr lang="en-US" smtClean="0"/>
-              <a:t>12/19/2024</a:t>
+              <a:t>12/20/2024</a:t>
             </a:fld>
             <a:endParaRPr lang="en-US"/>
           </a:p>
@@ -265,7 +265,7 @@
           <p:cNvPr id="5" name="Footer Placeholder 4">
             <a:extLst>
               <a:ext uri="{FF2B5EF4-FFF2-40B4-BE49-F238E27FC236}">
-                <a16:creationId xmlns:a16="http://schemas.microsoft.com/office/drawing/2014/main" id="{8100448B-ECF0-DD11-1012-89B39F31CC91}"/>
+                <a16:creationId xmlns:a16="http://schemas.microsoft.com/office/drawing/2014/main" id="{7279C846-EA20-FBD3-4002-6C73A727C13F}"/>
               </a:ext>
             </a:extLst>
           </p:cNvPr>
@@ -290,7 +290,7 @@
           <p:cNvPr id="6" name="Slide Number Placeholder 5">
             <a:extLst>
               <a:ext uri="{FF2B5EF4-FFF2-40B4-BE49-F238E27FC236}">
-                <a16:creationId xmlns:a16="http://schemas.microsoft.com/office/drawing/2014/main" id="{9A091E42-4A79-F5FA-08E9-FF509569FB8B}"/>
+                <a16:creationId xmlns:a16="http://schemas.microsoft.com/office/drawing/2014/main" id="{DEFE8B9B-1481-1282-D2E8-252CFDAC6098}"/>
               </a:ext>
             </a:extLst>
           </p:cNvPr>
@@ -306,7 +306,7 @@
           <a:bodyPr/>
           <a:lstStyle/>
           <a:p>
-            <a:fld id="{31C30CA0-53D3-49D1-BB85-C3A5ECC9311E}" type="slidenum">
+            <a:fld id="{401E01D2-1590-415D-BFFA-2761ED278AC1}" type="slidenum">
               <a:rPr lang="en-US" smtClean="0"/>
               <a:t>‹#›</a:t>
             </a:fld>
@@ -317,7 +317,7 @@
     </p:spTree>
     <p:extLst>
       <p:ext uri="{BB962C8B-B14F-4D97-AF65-F5344CB8AC3E}">
-        <p14:creationId xmlns:p14="http://schemas.microsoft.com/office/powerpoint/2010/main" val="2199651775"/>
+        <p14:creationId xmlns:p14="http://schemas.microsoft.com/office/powerpoint/2010/main" val="2514936990"/>
       </p:ext>
     </p:extLst>
   </p:cSld>
@@ -349,7 +349,7 @@
           <p:cNvPr id="2" name="Title 1">
             <a:extLst>
               <a:ext uri="{FF2B5EF4-FFF2-40B4-BE49-F238E27FC236}">
-                <a16:creationId xmlns:a16="http://schemas.microsoft.com/office/drawing/2014/main" id="{7EA083A8-AB4E-36D1-1EA8-30FA97C62C91}"/>
+                <a16:creationId xmlns:a16="http://schemas.microsoft.com/office/drawing/2014/main" id="{76CC1876-D322-8B5D-51FB-166CA47E2968}"/>
               </a:ext>
             </a:extLst>
           </p:cNvPr>
@@ -377,7 +377,7 @@
           <p:cNvPr id="3" name="Vertical Text Placeholder 2">
             <a:extLst>
               <a:ext uri="{FF2B5EF4-FFF2-40B4-BE49-F238E27FC236}">
-                <a16:creationId xmlns:a16="http://schemas.microsoft.com/office/drawing/2014/main" id="{63663F9A-2FC6-4194-747E-A69677335960}"/>
+                <a16:creationId xmlns:a16="http://schemas.microsoft.com/office/drawing/2014/main" id="{D7E5CA2C-2C2C-A4EC-3368-B8732ED5D599}"/>
               </a:ext>
             </a:extLst>
           </p:cNvPr>
@@ -434,7 +434,7 @@
           <p:cNvPr id="4" name="Date Placeholder 3">
             <a:extLst>
               <a:ext uri="{FF2B5EF4-FFF2-40B4-BE49-F238E27FC236}">
-                <a16:creationId xmlns:a16="http://schemas.microsoft.com/office/drawing/2014/main" id="{1A965046-40DA-D700-12E0-A526F8EA5338}"/>
+                <a16:creationId xmlns:a16="http://schemas.microsoft.com/office/drawing/2014/main" id="{C3071241-9AA9-64FD-FBBB-BDA4312D550E}"/>
               </a:ext>
             </a:extLst>
           </p:cNvPr>
@@ -450,9 +450,9 @@
           <a:bodyPr/>
           <a:lstStyle/>
           <a:p>
-            <a:fld id="{F609998C-7B48-4199-A36B-EAA26C8CF331}" type="datetimeFigureOut">
+            <a:fld id="{18072121-9DC8-4B24-9186-189609A474DA}" type="datetimeFigureOut">
               <a:rPr lang="en-US" smtClean="0"/>
-              <a:t>12/19/2024</a:t>
+              <a:t>12/20/2024</a:t>
             </a:fld>
             <a:endParaRPr lang="en-US"/>
           </a:p>
@@ -463,7 +463,7 @@
           <p:cNvPr id="5" name="Footer Placeholder 4">
             <a:extLst>
               <a:ext uri="{FF2B5EF4-FFF2-40B4-BE49-F238E27FC236}">
-                <a16:creationId xmlns:a16="http://schemas.microsoft.com/office/drawing/2014/main" id="{3294058C-D48D-D34D-586D-F5F1DADB8652}"/>
+                <a16:creationId xmlns:a16="http://schemas.microsoft.com/office/drawing/2014/main" id="{28BD9C91-5FE8-10BA-D5A4-98EB74BD050E}"/>
               </a:ext>
             </a:extLst>
           </p:cNvPr>
@@ -488,7 +488,7 @@
           <p:cNvPr id="6" name="Slide Number Placeholder 5">
             <a:extLst>
               <a:ext uri="{FF2B5EF4-FFF2-40B4-BE49-F238E27FC236}">
-                <a16:creationId xmlns:a16="http://schemas.microsoft.com/office/drawing/2014/main" id="{85BDCFEF-5ED9-3C36-245E-99B8AF9EFDCE}"/>
+                <a16:creationId xmlns:a16="http://schemas.microsoft.com/office/drawing/2014/main" id="{59E6C3A9-0210-4B45-AE6A-C7E1F1D9F237}"/>
               </a:ext>
             </a:extLst>
           </p:cNvPr>
@@ -504,7 +504,7 @@
           <a:bodyPr/>
           <a:lstStyle/>
           <a:p>
-            <a:fld id="{31C30CA0-53D3-49D1-BB85-C3A5ECC9311E}" type="slidenum">
+            <a:fld id="{401E01D2-1590-415D-BFFA-2761ED278AC1}" type="slidenum">
               <a:rPr lang="en-US" smtClean="0"/>
               <a:t>‹#›</a:t>
             </a:fld>
@@ -515,7 +515,7 @@
     </p:spTree>
     <p:extLst>
       <p:ext uri="{BB962C8B-B14F-4D97-AF65-F5344CB8AC3E}">
-        <p14:creationId xmlns:p14="http://schemas.microsoft.com/office/powerpoint/2010/main" val="3437683914"/>
+        <p14:creationId xmlns:p14="http://schemas.microsoft.com/office/powerpoint/2010/main" val="1132286109"/>
       </p:ext>
     </p:extLst>
   </p:cSld>
@@ -547,7 +547,7 @@
           <p:cNvPr id="2" name="Vertical Title 1">
             <a:extLst>
               <a:ext uri="{FF2B5EF4-FFF2-40B4-BE49-F238E27FC236}">
-                <a16:creationId xmlns:a16="http://schemas.microsoft.com/office/drawing/2014/main" id="{116DE289-A6ED-8ED3-5939-F304B8337272}"/>
+                <a16:creationId xmlns:a16="http://schemas.microsoft.com/office/drawing/2014/main" id="{3E66AA0D-7E89-3352-8F6F-244AA755A78B}"/>
               </a:ext>
             </a:extLst>
           </p:cNvPr>
@@ -580,7 +580,7 @@
           <p:cNvPr id="3" name="Vertical Text Placeholder 2">
             <a:extLst>
               <a:ext uri="{FF2B5EF4-FFF2-40B4-BE49-F238E27FC236}">
-                <a16:creationId xmlns:a16="http://schemas.microsoft.com/office/drawing/2014/main" id="{A8338A12-A0AA-AB46-96F3-4B5F31DA1219}"/>
+                <a16:creationId xmlns:a16="http://schemas.microsoft.com/office/drawing/2014/main" id="{ED837CF1-D8FB-61AD-50B4-22A5A46C2216}"/>
               </a:ext>
             </a:extLst>
           </p:cNvPr>
@@ -642,7 +642,7 @@
           <p:cNvPr id="4" name="Date Placeholder 3">
             <a:extLst>
               <a:ext uri="{FF2B5EF4-FFF2-40B4-BE49-F238E27FC236}">
-                <a16:creationId xmlns:a16="http://schemas.microsoft.com/office/drawing/2014/main" id="{33D0B180-100E-9736-7D4A-9012E0062E8B}"/>
+                <a16:creationId xmlns:a16="http://schemas.microsoft.com/office/drawing/2014/main" id="{8A8FE6E8-F542-A9AF-CFF5-3105E72F2B9E}"/>
               </a:ext>
             </a:extLst>
           </p:cNvPr>
@@ -658,9 +658,9 @@
           <a:bodyPr/>
           <a:lstStyle/>
           <a:p>
-            <a:fld id="{F609998C-7B48-4199-A36B-EAA26C8CF331}" type="datetimeFigureOut">
+            <a:fld id="{18072121-9DC8-4B24-9186-189609A474DA}" type="datetimeFigureOut">
               <a:rPr lang="en-US" smtClean="0"/>
-              <a:t>12/19/2024</a:t>
+              <a:t>12/20/2024</a:t>
             </a:fld>
             <a:endParaRPr lang="en-US"/>
           </a:p>
@@ -671,7 +671,7 @@
           <p:cNvPr id="5" name="Footer Placeholder 4">
             <a:extLst>
               <a:ext uri="{FF2B5EF4-FFF2-40B4-BE49-F238E27FC236}">
-                <a16:creationId xmlns:a16="http://schemas.microsoft.com/office/drawing/2014/main" id="{426EEEC4-47A3-1534-AC6A-46A9711D25ED}"/>
+                <a16:creationId xmlns:a16="http://schemas.microsoft.com/office/drawing/2014/main" id="{CB6C2D28-5A2A-C8E7-12E4-9B73A49C4794}"/>
               </a:ext>
             </a:extLst>
           </p:cNvPr>
@@ -696,7 +696,7 @@
           <p:cNvPr id="6" name="Slide Number Placeholder 5">
             <a:extLst>
               <a:ext uri="{FF2B5EF4-FFF2-40B4-BE49-F238E27FC236}">
-                <a16:creationId xmlns:a16="http://schemas.microsoft.com/office/drawing/2014/main" id="{9695BCB0-F83B-9F9D-771D-65A61733BB82}"/>
+                <a16:creationId xmlns:a16="http://schemas.microsoft.com/office/drawing/2014/main" id="{A6E9560C-29AF-BAAF-AAE3-F48C983CB839}"/>
               </a:ext>
             </a:extLst>
           </p:cNvPr>
@@ -712,7 +712,7 @@
           <a:bodyPr/>
           <a:lstStyle/>
           <a:p>
-            <a:fld id="{31C30CA0-53D3-49D1-BB85-C3A5ECC9311E}" type="slidenum">
+            <a:fld id="{401E01D2-1590-415D-BFFA-2761ED278AC1}" type="slidenum">
               <a:rPr lang="en-US" smtClean="0"/>
               <a:t>‹#›</a:t>
             </a:fld>
@@ -723,7 +723,7 @@
     </p:spTree>
     <p:extLst>
       <p:ext uri="{BB962C8B-B14F-4D97-AF65-F5344CB8AC3E}">
-        <p14:creationId xmlns:p14="http://schemas.microsoft.com/office/powerpoint/2010/main" val="1416451392"/>
+        <p14:creationId xmlns:p14="http://schemas.microsoft.com/office/powerpoint/2010/main" val="2700580642"/>
       </p:ext>
     </p:extLst>
   </p:cSld>
@@ -755,7 +755,7 @@
           <p:cNvPr id="2" name="Title 1">
             <a:extLst>
               <a:ext uri="{FF2B5EF4-FFF2-40B4-BE49-F238E27FC236}">
-                <a16:creationId xmlns:a16="http://schemas.microsoft.com/office/drawing/2014/main" id="{756EC178-FA26-6419-0D75-BCA1887E106C}"/>
+                <a16:creationId xmlns:a16="http://schemas.microsoft.com/office/drawing/2014/main" id="{9C866E36-E30D-3CB2-AE79-A54074430331}"/>
               </a:ext>
             </a:extLst>
           </p:cNvPr>
@@ -783,7 +783,7 @@
           <p:cNvPr id="3" name="Content Placeholder 2">
             <a:extLst>
               <a:ext uri="{FF2B5EF4-FFF2-40B4-BE49-F238E27FC236}">
-                <a16:creationId xmlns:a16="http://schemas.microsoft.com/office/drawing/2014/main" id="{7F100CB7-37F1-05C3-A16C-976787996661}"/>
+                <a16:creationId xmlns:a16="http://schemas.microsoft.com/office/drawing/2014/main" id="{9EC0D5B6-971A-2578-C4A8-7881D51ED9EE}"/>
               </a:ext>
             </a:extLst>
           </p:cNvPr>
@@ -840,7 +840,7 @@
           <p:cNvPr id="4" name="Date Placeholder 3">
             <a:extLst>
               <a:ext uri="{FF2B5EF4-FFF2-40B4-BE49-F238E27FC236}">
-                <a16:creationId xmlns:a16="http://schemas.microsoft.com/office/drawing/2014/main" id="{4C5B148F-2E1A-D99E-3790-B6D0106F992C}"/>
+                <a16:creationId xmlns:a16="http://schemas.microsoft.com/office/drawing/2014/main" id="{D4FDAB81-7B6B-F531-8D9E-451DDE0E8DBE}"/>
               </a:ext>
             </a:extLst>
           </p:cNvPr>
@@ -856,9 +856,9 @@
           <a:bodyPr/>
           <a:lstStyle/>
           <a:p>
-            <a:fld id="{F609998C-7B48-4199-A36B-EAA26C8CF331}" type="datetimeFigureOut">
+            <a:fld id="{18072121-9DC8-4B24-9186-189609A474DA}" type="datetimeFigureOut">
               <a:rPr lang="en-US" smtClean="0"/>
-              <a:t>12/19/2024</a:t>
+              <a:t>12/20/2024</a:t>
             </a:fld>
             <a:endParaRPr lang="en-US"/>
           </a:p>
@@ -869,7 +869,7 @@
           <p:cNvPr id="5" name="Footer Placeholder 4">
             <a:extLst>
               <a:ext uri="{FF2B5EF4-FFF2-40B4-BE49-F238E27FC236}">
-                <a16:creationId xmlns:a16="http://schemas.microsoft.com/office/drawing/2014/main" id="{B6472ED8-1331-40D6-F748-36A25D18BB53}"/>
+                <a16:creationId xmlns:a16="http://schemas.microsoft.com/office/drawing/2014/main" id="{54D0D813-56C9-7AE2-FCE9-6FD7C704EBD1}"/>
               </a:ext>
             </a:extLst>
           </p:cNvPr>
@@ -894,7 +894,7 @@
           <p:cNvPr id="6" name="Slide Number Placeholder 5">
             <a:extLst>
               <a:ext uri="{FF2B5EF4-FFF2-40B4-BE49-F238E27FC236}">
-                <a16:creationId xmlns:a16="http://schemas.microsoft.com/office/drawing/2014/main" id="{E91D86EF-50CC-DE0A-7E02-DCE94C99FAE3}"/>
+                <a16:creationId xmlns:a16="http://schemas.microsoft.com/office/drawing/2014/main" id="{1DE9CACE-E3A5-7D69-0AB6-819C5A27B647}"/>
               </a:ext>
             </a:extLst>
           </p:cNvPr>
@@ -910,7 +910,7 @@
           <a:bodyPr/>
           <a:lstStyle/>
           <a:p>
-            <a:fld id="{31C30CA0-53D3-49D1-BB85-C3A5ECC9311E}" type="slidenum">
+            <a:fld id="{401E01D2-1590-415D-BFFA-2761ED278AC1}" type="slidenum">
               <a:rPr lang="en-US" smtClean="0"/>
               <a:t>‹#›</a:t>
             </a:fld>
@@ -921,7 +921,7 @@
     </p:spTree>
     <p:extLst>
       <p:ext uri="{BB962C8B-B14F-4D97-AF65-F5344CB8AC3E}">
-        <p14:creationId xmlns:p14="http://schemas.microsoft.com/office/powerpoint/2010/main" val="126852153"/>
+        <p14:creationId xmlns:p14="http://schemas.microsoft.com/office/powerpoint/2010/main" val="1314646329"/>
       </p:ext>
     </p:extLst>
   </p:cSld>
@@ -953,7 +953,7 @@
           <p:cNvPr id="2" name="Title 1">
             <a:extLst>
               <a:ext uri="{FF2B5EF4-FFF2-40B4-BE49-F238E27FC236}">
-                <a16:creationId xmlns:a16="http://schemas.microsoft.com/office/drawing/2014/main" id="{7CB0485C-21F4-9892-E156-7767B9339728}"/>
+                <a16:creationId xmlns:a16="http://schemas.microsoft.com/office/drawing/2014/main" id="{B52DB0F9-A88B-61EA-DE0C-928D203B8403}"/>
               </a:ext>
             </a:extLst>
           </p:cNvPr>
@@ -990,7 +990,7 @@
           <p:cNvPr id="3" name="Text Placeholder 2">
             <a:extLst>
               <a:ext uri="{FF2B5EF4-FFF2-40B4-BE49-F238E27FC236}">
-                <a16:creationId xmlns:a16="http://schemas.microsoft.com/office/drawing/2014/main" id="{C9F8B21B-607F-1A2B-CDF0-3DC808E543D2}"/>
+                <a16:creationId xmlns:a16="http://schemas.microsoft.com/office/drawing/2014/main" id="{6ABD709F-AFC2-B537-130D-53AD3950D390}"/>
               </a:ext>
             </a:extLst>
           </p:cNvPr>
@@ -1115,7 +1115,7 @@
           <p:cNvPr id="4" name="Date Placeholder 3">
             <a:extLst>
               <a:ext uri="{FF2B5EF4-FFF2-40B4-BE49-F238E27FC236}">
-                <a16:creationId xmlns:a16="http://schemas.microsoft.com/office/drawing/2014/main" id="{2F6A86E9-C1B7-DB0C-2D81-ACD30745EFEB}"/>
+                <a16:creationId xmlns:a16="http://schemas.microsoft.com/office/drawing/2014/main" id="{4C4A12F9-16EB-5C2C-60BB-EF67F32C6860}"/>
               </a:ext>
             </a:extLst>
           </p:cNvPr>
@@ -1131,9 +1131,9 @@
           <a:bodyPr/>
           <a:lstStyle/>
           <a:p>
-            <a:fld id="{F609998C-7B48-4199-A36B-EAA26C8CF331}" type="datetimeFigureOut">
+            <a:fld id="{18072121-9DC8-4B24-9186-189609A474DA}" type="datetimeFigureOut">
               <a:rPr lang="en-US" smtClean="0"/>
-              <a:t>12/19/2024</a:t>
+              <a:t>12/20/2024</a:t>
             </a:fld>
             <a:endParaRPr lang="en-US"/>
           </a:p>
@@ -1144,7 +1144,7 @@
           <p:cNvPr id="5" name="Footer Placeholder 4">
             <a:extLst>
               <a:ext uri="{FF2B5EF4-FFF2-40B4-BE49-F238E27FC236}">
-                <a16:creationId xmlns:a16="http://schemas.microsoft.com/office/drawing/2014/main" id="{F07FD493-96F3-5DC2-E0B3-0EBBD7B79ABD}"/>
+                <a16:creationId xmlns:a16="http://schemas.microsoft.com/office/drawing/2014/main" id="{7A7017CA-A354-A156-828F-59CBFBFE2ED4}"/>
               </a:ext>
             </a:extLst>
           </p:cNvPr>
@@ -1169,7 +1169,7 @@
           <p:cNvPr id="6" name="Slide Number Placeholder 5">
             <a:extLst>
               <a:ext uri="{FF2B5EF4-FFF2-40B4-BE49-F238E27FC236}">
-                <a16:creationId xmlns:a16="http://schemas.microsoft.com/office/drawing/2014/main" id="{0CD28A1D-41B3-F4CF-CE21-0FECD228FC08}"/>
+                <a16:creationId xmlns:a16="http://schemas.microsoft.com/office/drawing/2014/main" id="{0D1FC8B1-1496-A3E6-4D8E-6D8AC6DB3B23}"/>
               </a:ext>
             </a:extLst>
           </p:cNvPr>
@@ -1185,7 +1185,7 @@
           <a:bodyPr/>
           <a:lstStyle/>
           <a:p>
-            <a:fld id="{31C30CA0-53D3-49D1-BB85-C3A5ECC9311E}" type="slidenum">
+            <a:fld id="{401E01D2-1590-415D-BFFA-2761ED278AC1}" type="slidenum">
               <a:rPr lang="en-US" smtClean="0"/>
               <a:t>‹#›</a:t>
             </a:fld>
@@ -1196,7 +1196,7 @@
     </p:spTree>
     <p:extLst>
       <p:ext uri="{BB962C8B-B14F-4D97-AF65-F5344CB8AC3E}">
-        <p14:creationId xmlns:p14="http://schemas.microsoft.com/office/powerpoint/2010/main" val="401873918"/>
+        <p14:creationId xmlns:p14="http://schemas.microsoft.com/office/powerpoint/2010/main" val="2800657495"/>
       </p:ext>
     </p:extLst>
   </p:cSld>
@@ -1228,7 +1228,7 @@
           <p:cNvPr id="2" name="Title 1">
             <a:extLst>
               <a:ext uri="{FF2B5EF4-FFF2-40B4-BE49-F238E27FC236}">
-                <a16:creationId xmlns:a16="http://schemas.microsoft.com/office/drawing/2014/main" id="{1AC56222-BE0E-6BC9-DE98-723E8FCD766C}"/>
+                <a16:creationId xmlns:a16="http://schemas.microsoft.com/office/drawing/2014/main" id="{CEF916ED-F40D-4B94-0E7B-EE7738EF16B0}"/>
               </a:ext>
             </a:extLst>
           </p:cNvPr>
@@ -1256,7 +1256,7 @@
           <p:cNvPr id="3" name="Content Placeholder 2">
             <a:extLst>
               <a:ext uri="{FF2B5EF4-FFF2-40B4-BE49-F238E27FC236}">
-                <a16:creationId xmlns:a16="http://schemas.microsoft.com/office/drawing/2014/main" id="{69559E0B-EB36-E20B-53FA-4EB82B93EF35}"/>
+                <a16:creationId xmlns:a16="http://schemas.microsoft.com/office/drawing/2014/main" id="{0543447E-E918-7563-EFEF-FE03C961C079}"/>
               </a:ext>
             </a:extLst>
           </p:cNvPr>
@@ -1318,7 +1318,7 @@
           <p:cNvPr id="4" name="Content Placeholder 3">
             <a:extLst>
               <a:ext uri="{FF2B5EF4-FFF2-40B4-BE49-F238E27FC236}">
-                <a16:creationId xmlns:a16="http://schemas.microsoft.com/office/drawing/2014/main" id="{8A64DA0C-4FD4-3B28-71D8-5F31DE0ABAB6}"/>
+                <a16:creationId xmlns:a16="http://schemas.microsoft.com/office/drawing/2014/main" id="{66793150-F4CC-D095-7598-85DBCCB05D26}"/>
               </a:ext>
             </a:extLst>
           </p:cNvPr>
@@ -1380,7 +1380,7 @@
           <p:cNvPr id="5" name="Date Placeholder 4">
             <a:extLst>
               <a:ext uri="{FF2B5EF4-FFF2-40B4-BE49-F238E27FC236}">
-                <a16:creationId xmlns:a16="http://schemas.microsoft.com/office/drawing/2014/main" id="{337387EE-E57A-F9F7-1982-5801478EEB04}"/>
+                <a16:creationId xmlns:a16="http://schemas.microsoft.com/office/drawing/2014/main" id="{5DE29729-C169-C130-BD25-A62418D99FFE}"/>
               </a:ext>
             </a:extLst>
           </p:cNvPr>
@@ -1396,9 +1396,9 @@
           <a:bodyPr/>
           <a:lstStyle/>
           <a:p>
-            <a:fld id="{F609998C-7B48-4199-A36B-EAA26C8CF331}" type="datetimeFigureOut">
+            <a:fld id="{18072121-9DC8-4B24-9186-189609A474DA}" type="datetimeFigureOut">
               <a:rPr lang="en-US" smtClean="0"/>
-              <a:t>12/19/2024</a:t>
+              <a:t>12/20/2024</a:t>
             </a:fld>
             <a:endParaRPr lang="en-US"/>
           </a:p>
@@ -1409,7 +1409,7 @@
           <p:cNvPr id="6" name="Footer Placeholder 5">
             <a:extLst>
               <a:ext uri="{FF2B5EF4-FFF2-40B4-BE49-F238E27FC236}">
-                <a16:creationId xmlns:a16="http://schemas.microsoft.com/office/drawing/2014/main" id="{881547E4-C7CF-15CC-606D-97B3274F0F2A}"/>
+                <a16:creationId xmlns:a16="http://schemas.microsoft.com/office/drawing/2014/main" id="{A65C50E0-C9BB-4589-BEBC-05C339F6F5E6}"/>
               </a:ext>
             </a:extLst>
           </p:cNvPr>
@@ -1434,7 +1434,7 @@
           <p:cNvPr id="7" name="Slide Number Placeholder 6">
             <a:extLst>
               <a:ext uri="{FF2B5EF4-FFF2-40B4-BE49-F238E27FC236}">
-                <a16:creationId xmlns:a16="http://schemas.microsoft.com/office/drawing/2014/main" id="{DDA4C50B-67AC-D9CA-0F39-F37C7D141742}"/>
+                <a16:creationId xmlns:a16="http://schemas.microsoft.com/office/drawing/2014/main" id="{519939DE-B65B-A7A9-B1E2-0BD14FD31C22}"/>
               </a:ext>
             </a:extLst>
           </p:cNvPr>
@@ -1450,7 +1450,7 @@
           <a:bodyPr/>
           <a:lstStyle/>
           <a:p>
-            <a:fld id="{31C30CA0-53D3-49D1-BB85-C3A5ECC9311E}" type="slidenum">
+            <a:fld id="{401E01D2-1590-415D-BFFA-2761ED278AC1}" type="slidenum">
               <a:rPr lang="en-US" smtClean="0"/>
               <a:t>‹#›</a:t>
             </a:fld>
@@ -1461,7 +1461,7 @@
     </p:spTree>
     <p:extLst>
       <p:ext uri="{BB962C8B-B14F-4D97-AF65-F5344CB8AC3E}">
-        <p14:creationId xmlns:p14="http://schemas.microsoft.com/office/powerpoint/2010/main" val="3735036998"/>
+        <p14:creationId xmlns:p14="http://schemas.microsoft.com/office/powerpoint/2010/main" val="3658928433"/>
       </p:ext>
     </p:extLst>
   </p:cSld>
@@ -1493,7 +1493,7 @@
           <p:cNvPr id="2" name="Title 1">
             <a:extLst>
               <a:ext uri="{FF2B5EF4-FFF2-40B4-BE49-F238E27FC236}">
-                <a16:creationId xmlns:a16="http://schemas.microsoft.com/office/drawing/2014/main" id="{46207741-FB30-A353-1AD8-4FFEC71566E9}"/>
+                <a16:creationId xmlns:a16="http://schemas.microsoft.com/office/drawing/2014/main" id="{B43634F0-5082-102A-19BD-12CE0CBF9A7B}"/>
               </a:ext>
             </a:extLst>
           </p:cNvPr>
@@ -1526,7 +1526,7 @@
           <p:cNvPr id="3" name="Text Placeholder 2">
             <a:extLst>
               <a:ext uri="{FF2B5EF4-FFF2-40B4-BE49-F238E27FC236}">
-                <a16:creationId xmlns:a16="http://schemas.microsoft.com/office/drawing/2014/main" id="{8CD8DFAE-8AC4-C0E9-97CD-85C167336D51}"/>
+                <a16:creationId xmlns:a16="http://schemas.microsoft.com/office/drawing/2014/main" id="{05FD691E-DFE9-C6B6-2DCE-E0362A368F5F}"/>
               </a:ext>
             </a:extLst>
           </p:cNvPr>
@@ -1597,7 +1597,7 @@
           <p:cNvPr id="4" name="Content Placeholder 3">
             <a:extLst>
               <a:ext uri="{FF2B5EF4-FFF2-40B4-BE49-F238E27FC236}">
-                <a16:creationId xmlns:a16="http://schemas.microsoft.com/office/drawing/2014/main" id="{2B8F8C62-C3C8-BF07-C7DF-25DDB3707FCD}"/>
+                <a16:creationId xmlns:a16="http://schemas.microsoft.com/office/drawing/2014/main" id="{9E5E0F08-6FFA-A1BA-78FB-D2E9370B10B8}"/>
               </a:ext>
             </a:extLst>
           </p:cNvPr>
@@ -1659,7 +1659,7 @@
           <p:cNvPr id="5" name="Text Placeholder 4">
             <a:extLst>
               <a:ext uri="{FF2B5EF4-FFF2-40B4-BE49-F238E27FC236}">
-                <a16:creationId xmlns:a16="http://schemas.microsoft.com/office/drawing/2014/main" id="{5B86C825-397F-EA81-D21B-1D62F9E76AC3}"/>
+                <a16:creationId xmlns:a16="http://schemas.microsoft.com/office/drawing/2014/main" id="{D871F16E-C9B4-5E85-0BC0-FB6F5ED6931D}"/>
               </a:ext>
             </a:extLst>
           </p:cNvPr>
@@ -1730,7 +1730,7 @@
           <p:cNvPr id="6" name="Content Placeholder 5">
             <a:extLst>
               <a:ext uri="{FF2B5EF4-FFF2-40B4-BE49-F238E27FC236}">
-                <a16:creationId xmlns:a16="http://schemas.microsoft.com/office/drawing/2014/main" id="{E9B7DD0C-B99F-9658-F8C3-FEBDA32BDF6A}"/>
+                <a16:creationId xmlns:a16="http://schemas.microsoft.com/office/drawing/2014/main" id="{FF58CCBD-6B74-3BEA-3A04-2EEF61DBEC27}"/>
               </a:ext>
             </a:extLst>
           </p:cNvPr>
@@ -1792,7 +1792,7 @@
           <p:cNvPr id="7" name="Date Placeholder 6">
             <a:extLst>
               <a:ext uri="{FF2B5EF4-FFF2-40B4-BE49-F238E27FC236}">
-                <a16:creationId xmlns:a16="http://schemas.microsoft.com/office/drawing/2014/main" id="{0E8AA209-DF90-C71B-B980-A25D5F5B27C2}"/>
+                <a16:creationId xmlns:a16="http://schemas.microsoft.com/office/drawing/2014/main" id="{6DBD966B-6F14-A98D-0775-80568BBADB97}"/>
               </a:ext>
             </a:extLst>
           </p:cNvPr>
@@ -1808,9 +1808,9 @@
           <a:bodyPr/>
           <a:lstStyle/>
           <a:p>
-            <a:fld id="{F609998C-7B48-4199-A36B-EAA26C8CF331}" type="datetimeFigureOut">
+            <a:fld id="{18072121-9DC8-4B24-9186-189609A474DA}" type="datetimeFigureOut">
               <a:rPr lang="en-US" smtClean="0"/>
-              <a:t>12/19/2024</a:t>
+              <a:t>12/20/2024</a:t>
             </a:fld>
             <a:endParaRPr lang="en-US"/>
           </a:p>
@@ -1821,7 +1821,7 @@
           <p:cNvPr id="8" name="Footer Placeholder 7">
             <a:extLst>
               <a:ext uri="{FF2B5EF4-FFF2-40B4-BE49-F238E27FC236}">
-                <a16:creationId xmlns:a16="http://schemas.microsoft.com/office/drawing/2014/main" id="{0123A453-86F1-A308-C21D-33BB966D3DD2}"/>
+                <a16:creationId xmlns:a16="http://schemas.microsoft.com/office/drawing/2014/main" id="{3D09D203-D40E-FB5B-01B5-FF88F57777A8}"/>
               </a:ext>
             </a:extLst>
           </p:cNvPr>
@@ -1846,7 +1846,7 @@
           <p:cNvPr id="9" name="Slide Number Placeholder 8">
             <a:extLst>
               <a:ext uri="{FF2B5EF4-FFF2-40B4-BE49-F238E27FC236}">
-                <a16:creationId xmlns:a16="http://schemas.microsoft.com/office/drawing/2014/main" id="{22A8D8B3-3D4C-81A5-D3A8-886343537F6F}"/>
+                <a16:creationId xmlns:a16="http://schemas.microsoft.com/office/drawing/2014/main" id="{7314A9E9-9DD2-E49E-5ACB-1569DF26C782}"/>
               </a:ext>
             </a:extLst>
           </p:cNvPr>
@@ -1862,7 +1862,7 @@
           <a:bodyPr/>
           <a:lstStyle/>
           <a:p>
-            <a:fld id="{31C30CA0-53D3-49D1-BB85-C3A5ECC9311E}" type="slidenum">
+            <a:fld id="{401E01D2-1590-415D-BFFA-2761ED278AC1}" type="slidenum">
               <a:rPr lang="en-US" smtClean="0"/>
               <a:t>‹#›</a:t>
             </a:fld>
@@ -1873,7 +1873,7 @@
     </p:spTree>
     <p:extLst>
       <p:ext uri="{BB962C8B-B14F-4D97-AF65-F5344CB8AC3E}">
-        <p14:creationId xmlns:p14="http://schemas.microsoft.com/office/powerpoint/2010/main" val="18907035"/>
+        <p14:creationId xmlns:p14="http://schemas.microsoft.com/office/powerpoint/2010/main" val="1190218378"/>
       </p:ext>
     </p:extLst>
   </p:cSld>
@@ -1905,7 +1905,7 @@
           <p:cNvPr id="2" name="Title 1">
             <a:extLst>
               <a:ext uri="{FF2B5EF4-FFF2-40B4-BE49-F238E27FC236}">
-                <a16:creationId xmlns:a16="http://schemas.microsoft.com/office/drawing/2014/main" id="{AC1BDDA9-FCC9-051C-F495-C26BAF8A519A}"/>
+                <a16:creationId xmlns:a16="http://schemas.microsoft.com/office/drawing/2014/main" id="{A3A806EB-FD1F-2E0F-BAC0-0B2184B17FA5}"/>
               </a:ext>
             </a:extLst>
           </p:cNvPr>
@@ -1933,7 +1933,7 @@
           <p:cNvPr id="3" name="Date Placeholder 2">
             <a:extLst>
               <a:ext uri="{FF2B5EF4-FFF2-40B4-BE49-F238E27FC236}">
-                <a16:creationId xmlns:a16="http://schemas.microsoft.com/office/drawing/2014/main" id="{4D9EA4A0-CB20-2E6C-B033-5A5F86582E42}"/>
+                <a16:creationId xmlns:a16="http://schemas.microsoft.com/office/drawing/2014/main" id="{AD9613C6-60EC-8131-C1C9-F596D6D05198}"/>
               </a:ext>
             </a:extLst>
           </p:cNvPr>
@@ -1949,9 +1949,9 @@
           <a:bodyPr/>
           <a:lstStyle/>
           <a:p>
-            <a:fld id="{F609998C-7B48-4199-A36B-EAA26C8CF331}" type="datetimeFigureOut">
+            <a:fld id="{18072121-9DC8-4B24-9186-189609A474DA}" type="datetimeFigureOut">
               <a:rPr lang="en-US" smtClean="0"/>
-              <a:t>12/19/2024</a:t>
+              <a:t>12/20/2024</a:t>
             </a:fld>
             <a:endParaRPr lang="en-US"/>
           </a:p>
@@ -1962,7 +1962,7 @@
           <p:cNvPr id="4" name="Footer Placeholder 3">
             <a:extLst>
               <a:ext uri="{FF2B5EF4-FFF2-40B4-BE49-F238E27FC236}">
-                <a16:creationId xmlns:a16="http://schemas.microsoft.com/office/drawing/2014/main" id="{05A7F1A9-E3E8-E6F1-5260-1E36A08A8A7F}"/>
+                <a16:creationId xmlns:a16="http://schemas.microsoft.com/office/drawing/2014/main" id="{CFF80D76-35CC-E8A0-3CD7-8DF078643978}"/>
               </a:ext>
             </a:extLst>
           </p:cNvPr>
@@ -1987,7 +1987,7 @@
           <p:cNvPr id="5" name="Slide Number Placeholder 4">
             <a:extLst>
               <a:ext uri="{FF2B5EF4-FFF2-40B4-BE49-F238E27FC236}">
-                <a16:creationId xmlns:a16="http://schemas.microsoft.com/office/drawing/2014/main" id="{BE287848-7F90-2EFA-0C30-A41FFAA39A63}"/>
+                <a16:creationId xmlns:a16="http://schemas.microsoft.com/office/drawing/2014/main" id="{DD38CC21-639D-D3DC-0F94-5D7FAD27476F}"/>
               </a:ext>
             </a:extLst>
           </p:cNvPr>
@@ -2003,7 +2003,7 @@
           <a:bodyPr/>
           <a:lstStyle/>
           <a:p>
-            <a:fld id="{31C30CA0-53D3-49D1-BB85-C3A5ECC9311E}" type="slidenum">
+            <a:fld id="{401E01D2-1590-415D-BFFA-2761ED278AC1}" type="slidenum">
               <a:rPr lang="en-US" smtClean="0"/>
               <a:t>‹#›</a:t>
             </a:fld>
@@ -2014,7 +2014,7 @@
     </p:spTree>
     <p:extLst>
       <p:ext uri="{BB962C8B-B14F-4D97-AF65-F5344CB8AC3E}">
-        <p14:creationId xmlns:p14="http://schemas.microsoft.com/office/powerpoint/2010/main" val="1964898532"/>
+        <p14:creationId xmlns:p14="http://schemas.microsoft.com/office/powerpoint/2010/main" val="221037894"/>
       </p:ext>
     </p:extLst>
   </p:cSld>
@@ -2046,7 +2046,7 @@
           <p:cNvPr id="2" name="Date Placeholder 1">
             <a:extLst>
               <a:ext uri="{FF2B5EF4-FFF2-40B4-BE49-F238E27FC236}">
-                <a16:creationId xmlns:a16="http://schemas.microsoft.com/office/drawing/2014/main" id="{015030D7-DCC2-82DB-095B-A23E3E3DB144}"/>
+                <a16:creationId xmlns:a16="http://schemas.microsoft.com/office/drawing/2014/main" id="{E0252A23-AF5F-B512-7029-FBC9BA7DA571}"/>
               </a:ext>
             </a:extLst>
           </p:cNvPr>
@@ -2062,9 +2062,9 @@
           <a:bodyPr/>
           <a:lstStyle/>
           <a:p>
-            <a:fld id="{F609998C-7B48-4199-A36B-EAA26C8CF331}" type="datetimeFigureOut">
+            <a:fld id="{18072121-9DC8-4B24-9186-189609A474DA}" type="datetimeFigureOut">
               <a:rPr lang="en-US" smtClean="0"/>
-              <a:t>12/19/2024</a:t>
+              <a:t>12/20/2024</a:t>
             </a:fld>
             <a:endParaRPr lang="en-US"/>
           </a:p>
@@ -2075,7 +2075,7 @@
           <p:cNvPr id="3" name="Footer Placeholder 2">
             <a:extLst>
               <a:ext uri="{FF2B5EF4-FFF2-40B4-BE49-F238E27FC236}">
-                <a16:creationId xmlns:a16="http://schemas.microsoft.com/office/drawing/2014/main" id="{8BE0010B-5D6F-89AF-F089-95EE3404EE31}"/>
+                <a16:creationId xmlns:a16="http://schemas.microsoft.com/office/drawing/2014/main" id="{3F808E19-B85F-818A-4497-4FFA2C5EF08F}"/>
               </a:ext>
             </a:extLst>
           </p:cNvPr>
@@ -2100,7 +2100,7 @@
           <p:cNvPr id="4" name="Slide Number Placeholder 3">
             <a:extLst>
               <a:ext uri="{FF2B5EF4-FFF2-40B4-BE49-F238E27FC236}">
-                <a16:creationId xmlns:a16="http://schemas.microsoft.com/office/drawing/2014/main" id="{90DCDE29-A939-8B2C-0386-9FDB19926E3C}"/>
+                <a16:creationId xmlns:a16="http://schemas.microsoft.com/office/drawing/2014/main" id="{7D244626-7EAC-BE36-F885-EF479DDD25AA}"/>
               </a:ext>
             </a:extLst>
           </p:cNvPr>
@@ -2116,7 +2116,7 @@
           <a:bodyPr/>
           <a:lstStyle/>
           <a:p>
-            <a:fld id="{31C30CA0-53D3-49D1-BB85-C3A5ECC9311E}" type="slidenum">
+            <a:fld id="{401E01D2-1590-415D-BFFA-2761ED278AC1}" type="slidenum">
               <a:rPr lang="en-US" smtClean="0"/>
               <a:t>‹#›</a:t>
             </a:fld>
@@ -2127,7 +2127,7 @@
     </p:spTree>
     <p:extLst>
       <p:ext uri="{BB962C8B-B14F-4D97-AF65-F5344CB8AC3E}">
-        <p14:creationId xmlns:p14="http://schemas.microsoft.com/office/powerpoint/2010/main" val="999575984"/>
+        <p14:creationId xmlns:p14="http://schemas.microsoft.com/office/powerpoint/2010/main" val="2061348830"/>
       </p:ext>
     </p:extLst>
   </p:cSld>
@@ -2159,7 +2159,7 @@
           <p:cNvPr id="2" name="Title 1">
             <a:extLst>
               <a:ext uri="{FF2B5EF4-FFF2-40B4-BE49-F238E27FC236}">
-                <a16:creationId xmlns:a16="http://schemas.microsoft.com/office/drawing/2014/main" id="{14A6EBDA-4EC6-9DE9-3BE4-2DC8337AA66A}"/>
+                <a16:creationId xmlns:a16="http://schemas.microsoft.com/office/drawing/2014/main" id="{18C8380A-61AE-B03C-34CF-DFCFCBB3E118}"/>
               </a:ext>
             </a:extLst>
           </p:cNvPr>
@@ -2196,7 +2196,7 @@
           <p:cNvPr id="3" name="Content Placeholder 2">
             <a:extLst>
               <a:ext uri="{FF2B5EF4-FFF2-40B4-BE49-F238E27FC236}">
-                <a16:creationId xmlns:a16="http://schemas.microsoft.com/office/drawing/2014/main" id="{AFA39E11-7503-CA38-62F9-43D95A80CD0D}"/>
+                <a16:creationId xmlns:a16="http://schemas.microsoft.com/office/drawing/2014/main" id="{CF5FEE65-8B3C-9634-CC41-21E2D94E61D9}"/>
               </a:ext>
             </a:extLst>
           </p:cNvPr>
@@ -2286,7 +2286,7 @@
           <p:cNvPr id="4" name="Text Placeholder 3">
             <a:extLst>
               <a:ext uri="{FF2B5EF4-FFF2-40B4-BE49-F238E27FC236}">
-                <a16:creationId xmlns:a16="http://schemas.microsoft.com/office/drawing/2014/main" id="{481E1535-BFFA-0BE9-A700-5A5C4627E2D6}"/>
+                <a16:creationId xmlns:a16="http://schemas.microsoft.com/office/drawing/2014/main" id="{1D6651F5-D79A-E344-A1E1-4B1578A240B6}"/>
               </a:ext>
             </a:extLst>
           </p:cNvPr>
@@ -2357,7 +2357,7 @@
           <p:cNvPr id="5" name="Date Placeholder 4">
             <a:extLst>
               <a:ext uri="{FF2B5EF4-FFF2-40B4-BE49-F238E27FC236}">
-                <a16:creationId xmlns:a16="http://schemas.microsoft.com/office/drawing/2014/main" id="{EF3267A9-C842-6BCB-4ECE-A9C7D1319153}"/>
+                <a16:creationId xmlns:a16="http://schemas.microsoft.com/office/drawing/2014/main" id="{EAD56FA1-4384-E9F3-8951-BA6A43168E96}"/>
               </a:ext>
             </a:extLst>
           </p:cNvPr>
@@ -2373,9 +2373,9 @@
           <a:bodyPr/>
           <a:lstStyle/>
           <a:p>
-            <a:fld id="{F609998C-7B48-4199-A36B-EAA26C8CF331}" type="datetimeFigureOut">
+            <a:fld id="{18072121-9DC8-4B24-9186-189609A474DA}" type="datetimeFigureOut">
               <a:rPr lang="en-US" smtClean="0"/>
-              <a:t>12/19/2024</a:t>
+              <a:t>12/20/2024</a:t>
             </a:fld>
             <a:endParaRPr lang="en-US"/>
           </a:p>
@@ -2386,7 +2386,7 @@
           <p:cNvPr id="6" name="Footer Placeholder 5">
             <a:extLst>
               <a:ext uri="{FF2B5EF4-FFF2-40B4-BE49-F238E27FC236}">
-                <a16:creationId xmlns:a16="http://schemas.microsoft.com/office/drawing/2014/main" id="{5A6F6B09-E65E-34FD-444C-B0E83BC67267}"/>
+                <a16:creationId xmlns:a16="http://schemas.microsoft.com/office/drawing/2014/main" id="{CD8BDAF4-5FC3-9A1B-5430-56D86259091F}"/>
               </a:ext>
             </a:extLst>
           </p:cNvPr>
@@ -2411,7 +2411,7 @@
           <p:cNvPr id="7" name="Slide Number Placeholder 6">
             <a:extLst>
               <a:ext uri="{FF2B5EF4-FFF2-40B4-BE49-F238E27FC236}">
-                <a16:creationId xmlns:a16="http://schemas.microsoft.com/office/drawing/2014/main" id="{692F0BBD-54F7-FB27-BF70-5D7CEA7F9D12}"/>
+                <a16:creationId xmlns:a16="http://schemas.microsoft.com/office/drawing/2014/main" id="{61823E36-41EA-7D61-389D-4430E96F2DB9}"/>
               </a:ext>
             </a:extLst>
           </p:cNvPr>
@@ -2427,7 +2427,7 @@
           <a:bodyPr/>
           <a:lstStyle/>
           <a:p>
-            <a:fld id="{31C30CA0-53D3-49D1-BB85-C3A5ECC9311E}" type="slidenum">
+            <a:fld id="{401E01D2-1590-415D-BFFA-2761ED278AC1}" type="slidenum">
               <a:rPr lang="en-US" smtClean="0"/>
               <a:t>‹#›</a:t>
             </a:fld>
@@ -2438,7 +2438,7 @@
     </p:spTree>
     <p:extLst>
       <p:ext uri="{BB962C8B-B14F-4D97-AF65-F5344CB8AC3E}">
-        <p14:creationId xmlns:p14="http://schemas.microsoft.com/office/powerpoint/2010/main" val="4183962814"/>
+        <p14:creationId xmlns:p14="http://schemas.microsoft.com/office/powerpoint/2010/main" val="3376564303"/>
       </p:ext>
     </p:extLst>
   </p:cSld>
@@ -2470,7 +2470,7 @@
           <p:cNvPr id="2" name="Title 1">
             <a:extLst>
               <a:ext uri="{FF2B5EF4-FFF2-40B4-BE49-F238E27FC236}">
-                <a16:creationId xmlns:a16="http://schemas.microsoft.com/office/drawing/2014/main" id="{82BC1F3B-EFE2-3640-C848-320E4B857F40}"/>
+                <a16:creationId xmlns:a16="http://schemas.microsoft.com/office/drawing/2014/main" id="{CAE82705-D483-131D-E69A-2BF203017FCF}"/>
               </a:ext>
             </a:extLst>
           </p:cNvPr>
@@ -2507,7 +2507,7 @@
           <p:cNvPr id="3" name="Picture Placeholder 2">
             <a:extLst>
               <a:ext uri="{FF2B5EF4-FFF2-40B4-BE49-F238E27FC236}">
-                <a16:creationId xmlns:a16="http://schemas.microsoft.com/office/drawing/2014/main" id="{F4F13181-8D2F-ABB8-A182-8B2B5E44B1ED}"/>
+                <a16:creationId xmlns:a16="http://schemas.microsoft.com/office/drawing/2014/main" id="{BA8BA524-D345-9D69-506E-0E8FABD01FD6}"/>
               </a:ext>
             </a:extLst>
           </p:cNvPr>
@@ -2574,7 +2574,7 @@
           <p:cNvPr id="4" name="Text Placeholder 3">
             <a:extLst>
               <a:ext uri="{FF2B5EF4-FFF2-40B4-BE49-F238E27FC236}">
-                <a16:creationId xmlns:a16="http://schemas.microsoft.com/office/drawing/2014/main" id="{97D19FC7-68D7-703A-FC8E-134F1F832457}"/>
+                <a16:creationId xmlns:a16="http://schemas.microsoft.com/office/drawing/2014/main" id="{5664AC31-F466-3024-CC6F-AA7D156C133E}"/>
               </a:ext>
             </a:extLst>
           </p:cNvPr>
@@ -2645,7 +2645,7 @@
           <p:cNvPr id="5" name="Date Placeholder 4">
             <a:extLst>
               <a:ext uri="{FF2B5EF4-FFF2-40B4-BE49-F238E27FC236}">
-                <a16:creationId xmlns:a16="http://schemas.microsoft.com/office/drawing/2014/main" id="{D84BF042-9FB2-9472-4F4B-689E4E270AF1}"/>
+                <a16:creationId xmlns:a16="http://schemas.microsoft.com/office/drawing/2014/main" id="{D37EB29D-5689-E69C-C41F-E82DBBAA356E}"/>
               </a:ext>
             </a:extLst>
           </p:cNvPr>
@@ -2661,9 +2661,9 @@
           <a:bodyPr/>
           <a:lstStyle/>
           <a:p>
-            <a:fld id="{F609998C-7B48-4199-A36B-EAA26C8CF331}" type="datetimeFigureOut">
+            <a:fld id="{18072121-9DC8-4B24-9186-189609A474DA}" type="datetimeFigureOut">
               <a:rPr lang="en-US" smtClean="0"/>
-              <a:t>12/19/2024</a:t>
+              <a:t>12/20/2024</a:t>
             </a:fld>
             <a:endParaRPr lang="en-US"/>
           </a:p>
@@ -2674,7 +2674,7 @@
           <p:cNvPr id="6" name="Footer Placeholder 5">
             <a:extLst>
               <a:ext uri="{FF2B5EF4-FFF2-40B4-BE49-F238E27FC236}">
-                <a16:creationId xmlns:a16="http://schemas.microsoft.com/office/drawing/2014/main" id="{D52466E9-285B-08A9-D2DD-8EA8AE082475}"/>
+                <a16:creationId xmlns:a16="http://schemas.microsoft.com/office/drawing/2014/main" id="{A54A9669-B07C-BC1C-780A-ADCC2F65B7D6}"/>
               </a:ext>
             </a:extLst>
           </p:cNvPr>
@@ -2699,7 +2699,7 @@
           <p:cNvPr id="7" name="Slide Number Placeholder 6">
             <a:extLst>
               <a:ext uri="{FF2B5EF4-FFF2-40B4-BE49-F238E27FC236}">
-                <a16:creationId xmlns:a16="http://schemas.microsoft.com/office/drawing/2014/main" id="{A71DDDE1-A921-D580-EAA8-EC0354852674}"/>
+                <a16:creationId xmlns:a16="http://schemas.microsoft.com/office/drawing/2014/main" id="{ED9721DB-C083-45F3-BA3B-05F113596B48}"/>
               </a:ext>
             </a:extLst>
           </p:cNvPr>
@@ -2715,7 +2715,7 @@
           <a:bodyPr/>
           <a:lstStyle/>
           <a:p>
-            <a:fld id="{31C30CA0-53D3-49D1-BB85-C3A5ECC9311E}" type="slidenum">
+            <a:fld id="{401E01D2-1590-415D-BFFA-2761ED278AC1}" type="slidenum">
               <a:rPr lang="en-US" smtClean="0"/>
               <a:t>‹#›</a:t>
             </a:fld>
@@ -2726,7 +2726,7 @@
     </p:spTree>
     <p:extLst>
       <p:ext uri="{BB962C8B-B14F-4D97-AF65-F5344CB8AC3E}">
-        <p14:creationId xmlns:p14="http://schemas.microsoft.com/office/powerpoint/2010/main" val="3937787949"/>
+        <p14:creationId xmlns:p14="http://schemas.microsoft.com/office/powerpoint/2010/main" val="1055234290"/>
       </p:ext>
     </p:extLst>
   </p:cSld>
@@ -2763,7 +2763,7 @@
           <p:cNvPr id="2" name="Title Placeholder 1">
             <a:extLst>
               <a:ext uri="{FF2B5EF4-FFF2-40B4-BE49-F238E27FC236}">
-                <a16:creationId xmlns:a16="http://schemas.microsoft.com/office/drawing/2014/main" id="{0AB47D66-7BD1-7576-2771-6B55EE647267}"/>
+                <a16:creationId xmlns:a16="http://schemas.microsoft.com/office/drawing/2014/main" id="{172B3CE3-7009-16AA-34A2-801C73C59C05}"/>
               </a:ext>
             </a:extLst>
           </p:cNvPr>
@@ -2801,7 +2801,7 @@
           <p:cNvPr id="3" name="Text Placeholder 2">
             <a:extLst>
               <a:ext uri="{FF2B5EF4-FFF2-40B4-BE49-F238E27FC236}">
-                <a16:creationId xmlns:a16="http://schemas.microsoft.com/office/drawing/2014/main" id="{96B49770-6789-ED4A-ACA7-EC6995D5C511}"/>
+                <a16:creationId xmlns:a16="http://schemas.microsoft.com/office/drawing/2014/main" id="{9BB79A21-A7A3-2539-9C20-DBA8D99DA12B}"/>
               </a:ext>
             </a:extLst>
           </p:cNvPr>
@@ -2868,7 +2868,7 @@
           <p:cNvPr id="4" name="Date Placeholder 3">
             <a:extLst>
               <a:ext uri="{FF2B5EF4-FFF2-40B4-BE49-F238E27FC236}">
-                <a16:creationId xmlns:a16="http://schemas.microsoft.com/office/drawing/2014/main" id="{BEB30DE9-1133-6204-E91D-AC88718921B2}"/>
+                <a16:creationId xmlns:a16="http://schemas.microsoft.com/office/drawing/2014/main" id="{7EC8CB39-8094-1FD1-CC7B-1B774DCA73B5}"/>
               </a:ext>
             </a:extLst>
           </p:cNvPr>
@@ -2902,9 +2902,9 @@
             </a:lvl1pPr>
           </a:lstStyle>
           <a:p>
-            <a:fld id="{F609998C-7B48-4199-A36B-EAA26C8CF331}" type="datetimeFigureOut">
+            <a:fld id="{18072121-9DC8-4B24-9186-189609A474DA}" type="datetimeFigureOut">
               <a:rPr lang="en-US" smtClean="0"/>
-              <a:t>12/19/2024</a:t>
+              <a:t>12/20/2024</a:t>
             </a:fld>
             <a:endParaRPr lang="en-US"/>
           </a:p>
@@ -2915,7 +2915,7 @@
           <p:cNvPr id="5" name="Footer Placeholder 4">
             <a:extLst>
               <a:ext uri="{FF2B5EF4-FFF2-40B4-BE49-F238E27FC236}">
-                <a16:creationId xmlns:a16="http://schemas.microsoft.com/office/drawing/2014/main" id="{56E0D124-A064-D70A-0105-90F601D09CAA}"/>
+                <a16:creationId xmlns:a16="http://schemas.microsoft.com/office/drawing/2014/main" id="{E012367D-6AE2-8F76-4EF5-921C6EC2D739}"/>
               </a:ext>
             </a:extLst>
           </p:cNvPr>
@@ -2958,7 +2958,7 @@
           <p:cNvPr id="6" name="Slide Number Placeholder 5">
             <a:extLst>
               <a:ext uri="{FF2B5EF4-FFF2-40B4-BE49-F238E27FC236}">
-                <a16:creationId xmlns:a16="http://schemas.microsoft.com/office/drawing/2014/main" id="{543DC8FC-E45B-4B67-90B5-C76D8D28EC08}"/>
+                <a16:creationId xmlns:a16="http://schemas.microsoft.com/office/drawing/2014/main" id="{784DECE6-3408-9C72-50CC-C7FDA3456310}"/>
               </a:ext>
             </a:extLst>
           </p:cNvPr>
@@ -2992,7 +2992,7 @@
             </a:lvl1pPr>
           </a:lstStyle>
           <a:p>
-            <a:fld id="{31C30CA0-53D3-49D1-BB85-C3A5ECC9311E}" type="slidenum">
+            <a:fld id="{401E01D2-1590-415D-BFFA-2761ED278AC1}" type="slidenum">
               <a:rPr lang="en-US" smtClean="0"/>
               <a:t>‹#›</a:t>
             </a:fld>
@@ -3003,7 +3003,7 @@
     </p:spTree>
     <p:extLst>
       <p:ext uri="{BB962C8B-B14F-4D97-AF65-F5344CB8AC3E}">
-        <p14:creationId xmlns:p14="http://schemas.microsoft.com/office/powerpoint/2010/main" val="934677604"/>
+        <p14:creationId xmlns:p14="http://schemas.microsoft.com/office/powerpoint/2010/main" val="1904715395"/>
       </p:ext>
     </p:extLst>
   </p:cSld>
@@ -3323,10 +3323,40 @@
       </p:grpSpPr>
       <p:sp>
         <p:nvSpPr>
+          <p:cNvPr id="2" name="Title 1">
+            <a:extLst>
+              <a:ext uri="{FF2B5EF4-FFF2-40B4-BE49-F238E27FC236}">
+                <a16:creationId xmlns:a16="http://schemas.microsoft.com/office/drawing/2014/main" id="{74CB864E-6A4F-0E1E-24DD-07857C34897E}"/>
+              </a:ext>
+            </a:extLst>
+          </p:cNvPr>
+          <p:cNvSpPr>
+            <a:spLocks noGrp="1"/>
+          </p:cNvSpPr>
+          <p:nvPr>
+            <p:ph type="ctrTitle"/>
+          </p:nvPr>
+        </p:nvSpPr>
+        <p:spPr>
+          <a:xfrm>
+            <a:off x="0" y="0"/>
+            <a:ext cx="12192000" cy="6858000"/>
+          </a:xfrm>
+        </p:spPr>
+        <p:txBody>
+          <a:bodyPr/>
+          <a:lstStyle/>
+          <a:p>
+            <a:endParaRPr lang="en-US" dirty="0"/>
+          </a:p>
+        </p:txBody>
+      </p:sp>
+      <p:sp>
+        <p:nvSpPr>
           <p:cNvPr id="3" name="Subtitle 2">
             <a:extLst>
               <a:ext uri="{FF2B5EF4-FFF2-40B4-BE49-F238E27FC236}">
-                <a16:creationId xmlns:a16="http://schemas.microsoft.com/office/drawing/2014/main" id="{96361388-C9F3-77D1-11E6-B122CC19FDBC}"/>
+                <a16:creationId xmlns:a16="http://schemas.microsoft.com/office/drawing/2014/main" id="{854E1564-7AF3-8587-2A59-8C03AFE62C2D}"/>
               </a:ext>
             </a:extLst>
           </p:cNvPr>
@@ -3338,9 +3368,9 @@
           </p:nvPr>
         </p:nvSpPr>
         <p:spPr>
-          <a:xfrm flipV="1">
-            <a:off x="0" y="-87682"/>
-            <a:ext cx="12192000" cy="87682"/>
+          <a:xfrm>
+            <a:off x="0" y="0"/>
+            <a:ext cx="12192000" cy="45719"/>
           </a:xfrm>
         </p:spPr>
         <p:txBody>
@@ -3359,7 +3389,7 @@
             <a:hlinkClick r:id="" action="ppaction://media"/>
             <a:extLst>
               <a:ext uri="{FF2B5EF4-FFF2-40B4-BE49-F238E27FC236}">
-                <a16:creationId xmlns:a16="http://schemas.microsoft.com/office/drawing/2014/main" id="{2E9DAAE1-B380-D2C7-F911-485A72FEABE0}"/>
+                <a16:creationId xmlns:a16="http://schemas.microsoft.com/office/drawing/2014/main" id="{2FA80B00-F96A-B95A-D6E8-5EEFD7252AD3}"/>
               </a:ext>
             </a:extLst>
           </p:cNvPr>
@@ -3383,8 +3413,8 @@
         </p:blipFill>
         <p:spPr>
           <a:xfrm>
-            <a:off x="3762375" y="542925"/>
-            <a:ext cx="4667250" cy="5772150"/>
+            <a:off x="3724275" y="523875"/>
+            <a:ext cx="4743450" cy="5810250"/>
           </a:xfrm>
           <a:prstGeom prst="rect">
             <a:avLst/>
@@ -3394,7 +3424,7 @@
     </p:spTree>
     <p:extLst>
       <p:ext uri="{BB962C8B-B14F-4D97-AF65-F5344CB8AC3E}">
-        <p14:creationId xmlns:p14="http://schemas.microsoft.com/office/powerpoint/2010/main" val="2352980615"/>
+        <p14:creationId xmlns:p14="http://schemas.microsoft.com/office/powerpoint/2010/main" val="1597072188"/>
       </p:ext>
     </p:extLst>
   </p:cSld>
@@ -3429,7 +3459,7 @@
                                   <p:childTnLst>
                                     <p:cmd type="call" cmd="playFrom(0.0)">
                                       <p:cBhvr>
-                                        <p:cTn id="6" dur="25344" fill="hold"/>
+                                        <p:cTn id="6" dur="24566" fill="hold"/>
                                         <p:tgtEl>
                                           <p:spTgt spid="4"/>
                                         </p:tgtEl>
